--- a/SaveUp/Documentation/Modul322.pptx
+++ b/SaveUp/Documentation/Modul322.pptx
@@ -9215,7 +9215,7 @@
           </a:lstStyle>
           <a:p>
             <a:fld id="{DF657C2F-2EF4-4198-AB4D-CC06C5299B71}" type="datetimeFigureOut">
-              <a:t>10.01.2025</a:t>
+              <a:t>26.01.2025</a:t>
             </a:fld>
             <a:endParaRPr lang="de-DE"/>
           </a:p>
@@ -11121,7 +11121,7 @@
           <a:p>
             <a:fld id="{F8A8E0D0-7520-465E-890F-AF7BA813ACE2}" type="datetimeFigureOut">
               <a:rPr lang="LID4096" smtClean="0"/>
-              <a:t>01/10/2025</a:t>
+              <a:t>01/26/2025</a:t>
             </a:fld>
             <a:endParaRPr lang="LID4096"/>
           </a:p>
@@ -11321,7 +11321,7 @@
           <a:p>
             <a:fld id="{F8A8E0D0-7520-465E-890F-AF7BA813ACE2}" type="datetimeFigureOut">
               <a:rPr lang="LID4096" smtClean="0"/>
-              <a:t>01/10/2025</a:t>
+              <a:t>01/26/2025</a:t>
             </a:fld>
             <a:endParaRPr lang="LID4096"/>
           </a:p>
@@ -11531,7 +11531,7 @@
           <a:p>
             <a:fld id="{F8A8E0D0-7520-465E-890F-AF7BA813ACE2}" type="datetimeFigureOut">
               <a:rPr lang="LID4096" smtClean="0"/>
-              <a:t>01/10/2025</a:t>
+              <a:t>01/26/2025</a:t>
             </a:fld>
             <a:endParaRPr lang="LID4096"/>
           </a:p>
@@ -11731,7 +11731,7 @@
           <a:p>
             <a:fld id="{F8A8E0D0-7520-465E-890F-AF7BA813ACE2}" type="datetimeFigureOut">
               <a:rPr lang="LID4096" smtClean="0"/>
-              <a:t>01/10/2025</a:t>
+              <a:t>01/26/2025</a:t>
             </a:fld>
             <a:endParaRPr lang="LID4096"/>
           </a:p>
@@ -12007,7 +12007,7 @@
           <a:p>
             <a:fld id="{F8A8E0D0-7520-465E-890F-AF7BA813ACE2}" type="datetimeFigureOut">
               <a:rPr lang="LID4096" smtClean="0"/>
-              <a:t>01/10/2025</a:t>
+              <a:t>01/26/2025</a:t>
             </a:fld>
             <a:endParaRPr lang="LID4096"/>
           </a:p>
@@ -12275,7 +12275,7 @@
           <a:p>
             <a:fld id="{F8A8E0D0-7520-465E-890F-AF7BA813ACE2}" type="datetimeFigureOut">
               <a:rPr lang="LID4096" smtClean="0"/>
-              <a:t>01/10/2025</a:t>
+              <a:t>01/26/2025</a:t>
             </a:fld>
             <a:endParaRPr lang="LID4096"/>
           </a:p>
@@ -12690,7 +12690,7 @@
           <a:p>
             <a:fld id="{F8A8E0D0-7520-465E-890F-AF7BA813ACE2}" type="datetimeFigureOut">
               <a:rPr lang="LID4096" smtClean="0"/>
-              <a:t>01/10/2025</a:t>
+              <a:t>01/26/2025</a:t>
             </a:fld>
             <a:endParaRPr lang="LID4096"/>
           </a:p>
@@ -12832,7 +12832,7 @@
           <a:p>
             <a:fld id="{F8A8E0D0-7520-465E-890F-AF7BA813ACE2}" type="datetimeFigureOut">
               <a:rPr lang="LID4096" smtClean="0"/>
-              <a:t>01/10/2025</a:t>
+              <a:t>01/26/2025</a:t>
             </a:fld>
             <a:endParaRPr lang="LID4096"/>
           </a:p>
@@ -12945,7 +12945,7 @@
           <a:p>
             <a:fld id="{F8A8E0D0-7520-465E-890F-AF7BA813ACE2}" type="datetimeFigureOut">
               <a:rPr lang="LID4096" smtClean="0"/>
-              <a:t>01/10/2025</a:t>
+              <a:t>01/26/2025</a:t>
             </a:fld>
             <a:endParaRPr lang="LID4096"/>
           </a:p>
@@ -13258,7 +13258,7 @@
           <a:p>
             <a:fld id="{F8A8E0D0-7520-465E-890F-AF7BA813ACE2}" type="datetimeFigureOut">
               <a:rPr lang="LID4096" smtClean="0"/>
-              <a:t>01/10/2025</a:t>
+              <a:t>01/26/2025</a:t>
             </a:fld>
             <a:endParaRPr lang="LID4096"/>
           </a:p>
@@ -13547,7 +13547,7 @@
           <a:p>
             <a:fld id="{F8A8E0D0-7520-465E-890F-AF7BA813ACE2}" type="datetimeFigureOut">
               <a:rPr lang="LID4096" smtClean="0"/>
-              <a:t>01/10/2025</a:t>
+              <a:t>01/26/2025</a:t>
             </a:fld>
             <a:endParaRPr lang="LID4096"/>
           </a:p>
@@ -13790,7 +13790,7 @@
           <a:p>
             <a:fld id="{F8A8E0D0-7520-465E-890F-AF7BA813ACE2}" type="datetimeFigureOut">
               <a:rPr lang="LID4096" smtClean="0"/>
-              <a:t>01/10/2025</a:t>
+              <a:t>01/26/2025</a:t>
             </a:fld>
             <a:endParaRPr lang="LID4096"/>
           </a:p>
@@ -28779,18 +28779,18 @@
         </p:nvSpPr>
         <p:spPr>
           <a:xfrm>
-            <a:off x="838199" y="1120676"/>
-            <a:ext cx="7021513" cy="2308324"/>
+            <a:off x="0" y="26371"/>
+            <a:ext cx="7021513" cy="1040429"/>
           </a:xfrm>
         </p:spPr>
         <p:txBody>
           <a:bodyPr vert="horz" lIns="91440" tIns="45720" rIns="91440" bIns="45720" rtlCol="0" anchor="b">
-            <a:normAutofit/>
+            <a:normAutofit fontScale="90000"/>
           </a:bodyPr>
           <a:lstStyle/>
           <a:p>
             <a:r>
-              <a:rPr lang="en-US" sz="7200" kern="1200">
+              <a:rPr lang="en-US" sz="7200" kern="1200" dirty="0">
                 <a:solidFill>
                   <a:schemeClr val="bg1"/>
                 </a:solidFill>
@@ -28803,6 +28803,36 @@
           </a:p>
         </p:txBody>
       </p:sp>
+      <p:pic>
+        <p:nvPicPr>
+          <p:cNvPr id="6" name="Grafik 5">
+            <a:extLst>
+              <a:ext uri="{FF2B5EF4-FFF2-40B4-BE49-F238E27FC236}">
+                <a16:creationId xmlns:a16="http://schemas.microsoft.com/office/drawing/2014/main" id="{6C231398-B807-C343-6C05-CAEEEAA6FE27}"/>
+              </a:ext>
+            </a:extLst>
+          </p:cNvPr>
+          <p:cNvPicPr>
+            <a:picLocks noChangeAspect="1"/>
+          </p:cNvPicPr>
+          <p:nvPr/>
+        </p:nvPicPr>
+        <p:blipFill>
+          <a:blip r:embed="rId3"/>
+          <a:stretch>
+            <a:fillRect/>
+          </a:stretch>
+        </p:blipFill>
+        <p:spPr>
+          <a:xfrm>
+            <a:off x="518334" y="1093171"/>
+            <a:ext cx="11155332" cy="5553850"/>
+          </a:xfrm>
+          <a:prstGeom prst="rect">
+            <a:avLst/>
+          </a:prstGeom>
+        </p:spPr>
+      </p:pic>
     </p:spTree>
     <p:extLst>
       <p:ext uri="{BB962C8B-B14F-4D97-AF65-F5344CB8AC3E}">
